--- a/演示文稿1.pptx
+++ b/演示文稿1.pptx
@@ -6,6 +6,10 @@
   </p:sldMasterIdLst>
   <p:sldIdLst>
     <p:sldId id="256" r:id="rId2"/>
+    <p:sldId id="257" r:id="rId3"/>
+    <p:sldId id="258" r:id="rId4"/>
+    <p:sldId id="259" r:id="rId5"/>
+    <p:sldId id="260" r:id="rId6"/>
   </p:sldIdLst>
   <p:sldSz cx="12192000" cy="6858000"/>
   <p:notesSz cx="6858000" cy="9144000"/>
@@ -104,6 +108,11 @@
       </a:defRPr>
     </a:lvl9pPr>
   </p:defaultTextStyle>
+  <p:extLst>
+    <p:ext uri="{EFAFB233-063F-42B5-8137-9DF3F51BA10A}">
+      <p15:sldGuideLst xmlns:p15="http://schemas.microsoft.com/office/powerpoint/2012/main"/>
+    </p:ext>
+  </p:extLst>
 </p:presentation>
 </file>
 
@@ -3020,6 +3029,377 @@
   <p:clrMapOvr>
     <a:masterClrMapping/>
   </p:clrMapOvr>
+  <p:timing>
+    <p:tnLst>
+      <p:par>
+        <p:cTn id="1" dur="indefinite" restart="never" nodeType="tmRoot"/>
+      </p:par>
+    </p:tnLst>
+  </p:timing>
+</p:sld>
+</file>
+
+<file path=ppt/slides/slide2.xml><?xml version="1.0" encoding="utf-8"?>
+<p:sld xmlns:a="http://schemas.openxmlformats.org/drawingml/2006/main" xmlns:r="http://schemas.openxmlformats.org/officeDocument/2006/relationships" xmlns:p="http://schemas.openxmlformats.org/presentationml/2006/main">
+  <p:cSld>
+    <p:bg>
+      <p:bgPr>
+        <a:solidFill>
+          <a:srgbClr val="FFC000"/>
+        </a:solidFill>
+        <a:effectLst/>
+      </p:bgPr>
+    </p:bg>
+    <p:spTree>
+      <p:nvGrpSpPr>
+        <p:cNvPr id="1" name=""/>
+        <p:cNvGrpSpPr/>
+        <p:nvPr/>
+      </p:nvGrpSpPr>
+      <p:grpSpPr>
+        <a:xfrm>
+          <a:off x="0" y="0"/>
+          <a:ext cx="0" cy="0"/>
+          <a:chOff x="0" y="0"/>
+          <a:chExt cx="0" cy="0"/>
+        </a:xfrm>
+      </p:grpSpPr>
+      <p:sp>
+        <p:nvSpPr>
+          <p:cNvPr id="2" name="标题 1"/>
+          <p:cNvSpPr>
+            <a:spLocks noGrp="1"/>
+          </p:cNvSpPr>
+          <p:nvPr>
+            <p:ph type="ctrTitle"/>
+          </p:nvPr>
+        </p:nvSpPr>
+        <p:spPr/>
+        <p:txBody>
+          <a:bodyPr/>
+          <a:lstStyle/>
+          <a:p>
+            <a:r>
+              <a:rPr kumimoji="1" lang="zh-CN" altLang="en-US" dirty="0" smtClean="0"/>
+              <a:t>好的</a:t>
+            </a:r>
+            <a:endParaRPr kumimoji="1" lang="zh-CN" altLang="en-US" dirty="0"/>
+          </a:p>
+        </p:txBody>
+      </p:sp>
+      <p:sp>
+        <p:nvSpPr>
+          <p:cNvPr id="3" name="副标题 2"/>
+          <p:cNvSpPr>
+            <a:spLocks noGrp="1"/>
+          </p:cNvSpPr>
+          <p:nvPr>
+            <p:ph type="subTitle" idx="1"/>
+          </p:nvPr>
+        </p:nvSpPr>
+        <p:spPr/>
+        <p:txBody>
+          <a:bodyPr/>
+          <a:lstStyle/>
+          <a:p>
+            <a:r>
+              <a:rPr kumimoji="1" lang="zh-CN" altLang="en-US" smtClean="0"/>
+              <a:t>哈哈哈</a:t>
+            </a:r>
+            <a:endParaRPr kumimoji="1" lang="zh-CN" altLang="en-US"/>
+          </a:p>
+        </p:txBody>
+      </p:sp>
+    </p:spTree>
+    <p:extLst>
+      <p:ext uri="{BB962C8B-B14F-4D97-AF65-F5344CB8AC3E}">
+        <p14:creationId xmlns:p14="http://schemas.microsoft.com/office/powerpoint/2010/main" val="1930589088"/>
+      </p:ext>
+    </p:extLst>
+  </p:cSld>
+  <p:clrMapOvr>
+    <a:masterClrMapping/>
+  </p:clrMapOvr>
+  <p:timing>
+    <p:tnLst>
+      <p:par>
+        <p:cTn id="1" dur="indefinite" restart="never" nodeType="tmRoot"/>
+      </p:par>
+    </p:tnLst>
+  </p:timing>
+</p:sld>
+</file>
+
+<file path=ppt/slides/slide3.xml><?xml version="1.0" encoding="utf-8"?>
+<p:sld xmlns:a="http://schemas.openxmlformats.org/drawingml/2006/main" xmlns:r="http://schemas.openxmlformats.org/officeDocument/2006/relationships" xmlns:p="http://schemas.openxmlformats.org/presentationml/2006/main">
+  <p:cSld>
+    <p:bg>
+      <p:bgPr>
+        <a:solidFill>
+          <a:srgbClr val="FFFF00"/>
+        </a:solidFill>
+        <a:effectLst/>
+      </p:bgPr>
+    </p:bg>
+    <p:spTree>
+      <p:nvGrpSpPr>
+        <p:cNvPr id="1" name=""/>
+        <p:cNvGrpSpPr/>
+        <p:nvPr/>
+      </p:nvGrpSpPr>
+      <p:grpSpPr>
+        <a:xfrm>
+          <a:off x="0" y="0"/>
+          <a:ext cx="0" cy="0"/>
+          <a:chOff x="0" y="0"/>
+          <a:chExt cx="0" cy="0"/>
+        </a:xfrm>
+      </p:grpSpPr>
+      <p:sp>
+        <p:nvSpPr>
+          <p:cNvPr id="2" name="标题 1"/>
+          <p:cNvSpPr>
+            <a:spLocks noGrp="1"/>
+          </p:cNvSpPr>
+          <p:nvPr>
+            <p:ph type="ctrTitle"/>
+          </p:nvPr>
+        </p:nvSpPr>
+        <p:spPr/>
+        <p:txBody>
+          <a:bodyPr/>
+          <a:lstStyle/>
+          <a:p>
+            <a:r>
+              <a:rPr kumimoji="1" lang="zh-CN" altLang="en-US" smtClean="0"/>
+              <a:t>哦哦哦</a:t>
+            </a:r>
+            <a:endParaRPr kumimoji="1" lang="zh-CN" altLang="en-US" dirty="0"/>
+          </a:p>
+        </p:txBody>
+      </p:sp>
+      <p:sp>
+        <p:nvSpPr>
+          <p:cNvPr id="3" name="副标题 2"/>
+          <p:cNvSpPr>
+            <a:spLocks noGrp="1"/>
+          </p:cNvSpPr>
+          <p:nvPr>
+            <p:ph type="subTitle" idx="1"/>
+          </p:nvPr>
+        </p:nvSpPr>
+        <p:spPr/>
+        <p:txBody>
+          <a:bodyPr/>
+          <a:lstStyle/>
+          <a:p>
+            <a:r>
+              <a:rPr kumimoji="1" lang="zh-CN" altLang="en-US" smtClean="0"/>
+              <a:t>哈哈哈</a:t>
+            </a:r>
+            <a:endParaRPr kumimoji="1" lang="zh-CN" altLang="en-US"/>
+          </a:p>
+        </p:txBody>
+      </p:sp>
+    </p:spTree>
+    <p:extLst>
+      <p:ext uri="{BB962C8B-B14F-4D97-AF65-F5344CB8AC3E}">
+        <p14:creationId xmlns:p14="http://schemas.microsoft.com/office/powerpoint/2010/main" val="963903466"/>
+      </p:ext>
+    </p:extLst>
+  </p:cSld>
+  <p:clrMapOvr>
+    <a:masterClrMapping/>
+  </p:clrMapOvr>
+  <p:timing>
+    <p:tnLst>
+      <p:par>
+        <p:cTn id="1" dur="indefinite" restart="never" nodeType="tmRoot"/>
+      </p:par>
+    </p:tnLst>
+  </p:timing>
+</p:sld>
+</file>
+
+<file path=ppt/slides/slide4.xml><?xml version="1.0" encoding="utf-8"?>
+<p:sld xmlns:a="http://schemas.openxmlformats.org/drawingml/2006/main" xmlns:r="http://schemas.openxmlformats.org/officeDocument/2006/relationships" xmlns:p="http://schemas.openxmlformats.org/presentationml/2006/main">
+  <p:cSld>
+    <p:bg>
+      <p:bgPr>
+        <a:solidFill>
+          <a:srgbClr val="92D050"/>
+        </a:solidFill>
+        <a:effectLst/>
+      </p:bgPr>
+    </p:bg>
+    <p:spTree>
+      <p:nvGrpSpPr>
+        <p:cNvPr id="1" name=""/>
+        <p:cNvGrpSpPr/>
+        <p:nvPr/>
+      </p:nvGrpSpPr>
+      <p:grpSpPr>
+        <a:xfrm>
+          <a:off x="0" y="0"/>
+          <a:ext cx="0" cy="0"/>
+          <a:chOff x="0" y="0"/>
+          <a:chExt cx="0" cy="0"/>
+        </a:xfrm>
+      </p:grpSpPr>
+      <p:sp>
+        <p:nvSpPr>
+          <p:cNvPr id="2" name="标题 1"/>
+          <p:cNvSpPr>
+            <a:spLocks noGrp="1"/>
+          </p:cNvSpPr>
+          <p:nvPr>
+            <p:ph type="ctrTitle"/>
+          </p:nvPr>
+        </p:nvSpPr>
+        <p:spPr/>
+        <p:txBody>
+          <a:bodyPr/>
+          <a:lstStyle/>
+          <a:p>
+            <a:r>
+              <a:rPr kumimoji="1" lang="zh-CN" altLang="en-US" dirty="0" smtClean="0"/>
+              <a:t>你好</a:t>
+            </a:r>
+            <a:endParaRPr kumimoji="1" lang="zh-CN" altLang="en-US" dirty="0"/>
+          </a:p>
+        </p:txBody>
+      </p:sp>
+      <p:sp>
+        <p:nvSpPr>
+          <p:cNvPr id="3" name="副标题 2"/>
+          <p:cNvSpPr>
+            <a:spLocks noGrp="1"/>
+          </p:cNvSpPr>
+          <p:nvPr>
+            <p:ph type="subTitle" idx="1"/>
+          </p:nvPr>
+        </p:nvSpPr>
+        <p:spPr/>
+        <p:txBody>
+          <a:bodyPr/>
+          <a:lstStyle/>
+          <a:p>
+            <a:r>
+              <a:rPr kumimoji="1" lang="zh-CN" altLang="en-US" smtClean="0"/>
+              <a:t>哈哈哈</a:t>
+            </a:r>
+            <a:endParaRPr kumimoji="1" lang="zh-CN" altLang="en-US"/>
+          </a:p>
+        </p:txBody>
+      </p:sp>
+    </p:spTree>
+    <p:extLst>
+      <p:ext uri="{BB962C8B-B14F-4D97-AF65-F5344CB8AC3E}">
+        <p14:creationId xmlns:p14="http://schemas.microsoft.com/office/powerpoint/2010/main" val="1935251371"/>
+      </p:ext>
+    </p:extLst>
+  </p:cSld>
+  <p:clrMapOvr>
+    <a:masterClrMapping/>
+  </p:clrMapOvr>
+  <p:timing>
+    <p:tnLst>
+      <p:par>
+        <p:cTn id="1" dur="indefinite" restart="never" nodeType="tmRoot"/>
+      </p:par>
+    </p:tnLst>
+  </p:timing>
+</p:sld>
+</file>
+
+<file path=ppt/slides/slide5.xml><?xml version="1.0" encoding="utf-8"?>
+<p:sld xmlns:a="http://schemas.openxmlformats.org/drawingml/2006/main" xmlns:r="http://schemas.openxmlformats.org/officeDocument/2006/relationships" xmlns:p="http://schemas.openxmlformats.org/presentationml/2006/main">
+  <p:cSld>
+    <p:bg>
+      <p:bgPr>
+        <a:solidFill>
+          <a:srgbClr val="00B0F0"/>
+        </a:solidFill>
+        <a:effectLst/>
+      </p:bgPr>
+    </p:bg>
+    <p:spTree>
+      <p:nvGrpSpPr>
+        <p:cNvPr id="1" name=""/>
+        <p:cNvGrpSpPr/>
+        <p:nvPr/>
+      </p:nvGrpSpPr>
+      <p:grpSpPr>
+        <a:xfrm>
+          <a:off x="0" y="0"/>
+          <a:ext cx="0" cy="0"/>
+          <a:chOff x="0" y="0"/>
+          <a:chExt cx="0" cy="0"/>
+        </a:xfrm>
+      </p:grpSpPr>
+      <p:sp>
+        <p:nvSpPr>
+          <p:cNvPr id="2" name="标题 1"/>
+          <p:cNvSpPr>
+            <a:spLocks noGrp="1"/>
+          </p:cNvSpPr>
+          <p:nvPr>
+            <p:ph type="ctrTitle"/>
+          </p:nvPr>
+        </p:nvSpPr>
+        <p:spPr/>
+        <p:txBody>
+          <a:bodyPr/>
+          <a:lstStyle/>
+          <a:p>
+            <a:r>
+              <a:rPr kumimoji="1" lang="zh-CN" altLang="en-US" dirty="0" smtClean="0"/>
+              <a:t>你好</a:t>
+            </a:r>
+            <a:endParaRPr kumimoji="1" lang="zh-CN" altLang="en-US" dirty="0"/>
+          </a:p>
+        </p:txBody>
+      </p:sp>
+      <p:sp>
+        <p:nvSpPr>
+          <p:cNvPr id="3" name="副标题 2"/>
+          <p:cNvSpPr>
+            <a:spLocks noGrp="1"/>
+          </p:cNvSpPr>
+          <p:nvPr>
+            <p:ph type="subTitle" idx="1"/>
+          </p:nvPr>
+        </p:nvSpPr>
+        <p:spPr/>
+        <p:txBody>
+          <a:bodyPr/>
+          <a:lstStyle/>
+          <a:p>
+            <a:r>
+              <a:rPr kumimoji="1" lang="zh-CN" altLang="en-US" smtClean="0"/>
+              <a:t>哈哈哈</a:t>
+            </a:r>
+            <a:endParaRPr kumimoji="1" lang="zh-CN" altLang="en-US"/>
+          </a:p>
+        </p:txBody>
+      </p:sp>
+    </p:spTree>
+    <p:extLst>
+      <p:ext uri="{BB962C8B-B14F-4D97-AF65-F5344CB8AC3E}">
+        <p14:creationId xmlns:p14="http://schemas.microsoft.com/office/powerpoint/2010/main" val="1808975831"/>
+      </p:ext>
+    </p:extLst>
+  </p:cSld>
+  <p:clrMapOvr>
+    <a:masterClrMapping/>
+  </p:clrMapOvr>
+  <p:timing>
+    <p:tnLst>
+      <p:par>
+        <p:cTn id="1" dur="indefinite" restart="never" nodeType="tmRoot"/>
+      </p:par>
+    </p:tnLst>
+  </p:timing>
 </p:sld>
 </file>
 

--- a/演示文稿1.pptx
+++ b/演示文稿1.pptx
@@ -2990,7 +2990,7 @@
           <a:p>
             <a:r>
               <a:rPr kumimoji="1" lang="zh-CN" altLang="en-US" dirty="0" smtClean="0"/>
-              <a:t>你好</a:t>
+              <a:t>我不好</a:t>
             </a:r>
             <a:endParaRPr kumimoji="1" lang="zh-CN" altLang="en-US" dirty="0"/>
           </a:p>
@@ -3013,9 +3013,9 @@
           <a:p>
             <a:r>
               <a:rPr kumimoji="1" lang="zh-CN" altLang="en-US" smtClean="0"/>
-              <a:t>哈哈哈</a:t>
-            </a:r>
-            <a:endParaRPr kumimoji="1" lang="zh-CN" altLang="en-US"/>
+              <a:t>哦哦哦</a:t>
+            </a:r>
+            <a:endParaRPr kumimoji="1" lang="zh-CN" altLang="en-US" dirty="0"/>
           </a:p>
         </p:txBody>
       </p:sp>

--- a/演示文稿1.pptx
+++ b/演示文稿1.pptx
@@ -104,6 +104,11 @@
       </a:defRPr>
     </a:lvl9pPr>
   </p:defaultTextStyle>
+  <p:extLst>
+    <p:ext uri="{EFAFB233-063F-42B5-8137-9DF3F51BA10A}">
+      <p15:sldGuideLst xmlns:p15="http://schemas.microsoft.com/office/powerpoint/2012/main"/>
+    </p:ext>
+  </p:extLst>
 </p:presentation>
 </file>
 
@@ -2981,7 +2986,7 @@
           <a:p>
             <a:r>
               <a:rPr kumimoji="1" lang="zh-CN" altLang="en-US" dirty="0" smtClean="0"/>
-              <a:t>你好</a:t>
+              <a:t>我就是很好</a:t>
             </a:r>
             <a:endParaRPr kumimoji="1" lang="zh-CN" altLang="en-US" dirty="0"/>
           </a:p>
@@ -3003,10 +3008,14 @@
           <a:lstStyle/>
           <a:p>
             <a:r>
-              <a:rPr kumimoji="1" lang="zh-CN" altLang="en-US" smtClean="0"/>
+              <a:rPr kumimoji="1" lang="zh-CN" altLang="en-US" dirty="0" smtClean="0"/>
               <a:t>哈哈哈</a:t>
             </a:r>
-            <a:endParaRPr kumimoji="1" lang="zh-CN" altLang="en-US"/>
+            <a:r>
+              <a:rPr kumimoji="1" lang="zh-CN" altLang="en-US" dirty="0" smtClean="0"/>
+              <a:t>哦哦哦</a:t>
+            </a:r>
+            <a:endParaRPr kumimoji="1" lang="zh-CN" altLang="en-US" dirty="0"/>
           </a:p>
         </p:txBody>
       </p:sp>

--- a/演示文稿1.pptx
+++ b/演示文稿1.pptx
@@ -3383,6 +3383,49 @@
           </a:p>
         </p:txBody>
       </p:sp>
+      <p:sp>
+        <p:nvSpPr>
+          <p:cNvPr id="5" name="矩形 4"/>
+          <p:cNvSpPr/>
+          <p:nvPr/>
+        </p:nvSpPr>
+        <p:spPr>
+          <a:xfrm>
+            <a:off x="5042346" y="4429919"/>
+            <a:ext cx="2107308" cy="369332"/>
+          </a:xfrm>
+          <a:prstGeom prst="rect">
+            <a:avLst/>
+          </a:prstGeom>
+        </p:spPr>
+        <p:txBody>
+          <a:bodyPr wrap="none">
+            <a:spAutoFit/>
+          </a:bodyPr>
+          <a:lstStyle/>
+          <a:p>
+            <a:r>
+              <a:rPr lang="en-US" altLang="zh-CN" b="1" dirty="0">
+                <a:solidFill>
+                  <a:prstClr val="black"/>
+                </a:solidFill>
+                <a:latin typeface="HelveticaNeue-Bold" charset="0"/>
+              </a:rPr>
+              <a:t>Files are not </a:t>
+            </a:r>
+            <a:r>
+              <a:rPr lang="en-US" altLang="zh-CN" b="1" dirty="0" err="1">
+                <a:solidFill>
+                  <a:prstClr val="black"/>
+                </a:solidFill>
+                <a:latin typeface="HelveticaNeue-Bold" charset="0"/>
+              </a:rPr>
+              <a:t>ascii</a:t>
+            </a:r>
+            <a:endParaRPr lang="zh-CN" altLang="en-US" dirty="0"/>
+          </a:p>
+        </p:txBody>
+      </p:sp>
     </p:spTree>
     <p:extLst>
       <p:ext uri="{BB962C8B-B14F-4D97-AF65-F5344CB8AC3E}">

--- a/演示文稿1.pptx
+++ b/演示文稿1.pptx
@@ -2989,8 +2989,8 @@
           <a:lstStyle/>
           <a:p>
             <a:r>
-              <a:rPr kumimoji="1" lang="zh-CN" altLang="en-US" dirty="0" smtClean="0"/>
-              <a:t>我不好</a:t>
+              <a:rPr kumimoji="1" lang="zh-CN" altLang="en-US" smtClean="0"/>
+              <a:t>比尔人呀</a:t>
             </a:r>
             <a:endParaRPr kumimoji="1" lang="zh-CN" altLang="en-US" dirty="0"/>
           </a:p>
